--- a/guide/Moving_Rainbow_Lab_Guide.pptx
+++ b/guide/Moving_Rainbow_Lab_Guide.pptx
@@ -204,7 +204,7 @@
             <a:fld id="{A192AC86-29BE-4AF1-B66A-0B9C0F1A9582}" type="datetimeFigureOut">
               <a:rPr lang="en-US" smtClean="0"/>
               <a:pPr/>
-              <a:t>2/7/2015</a:t>
+              <a:t>3/22/2015</a:t>
             </a:fld>
             <a:endParaRPr lang="en-US"/>
           </a:p>
@@ -505,7 +505,7 @@
             <a:fld id="{7322D2E7-16C3-422E-8B39-EECC16E2F456}" type="datetime1">
               <a:rPr lang="en-US" smtClean="0"/>
               <a:pPr/>
-              <a:t>2/7/2015</a:t>
+              <a:t>3/22/2015</a:t>
             </a:fld>
             <a:endParaRPr lang="en-US"/>
           </a:p>
@@ -597,7 +597,7 @@
             <a:fld id="{0DA314EC-10AC-4982-9D7E-980BE61E201F}" type="datetime1">
               <a:rPr lang="en-US" smtClean="0"/>
               <a:pPr/>
-              <a:t>2/7/2015</a:t>
+              <a:t>3/22/2015</a:t>
             </a:fld>
             <a:endParaRPr lang="en-US"/>
           </a:p>
@@ -825,7 +825,7 @@
             <a:fld id="{9687B87C-E9C8-4DB6-8BF6-BB75676BE4F6}" type="datetime1">
               <a:rPr lang="en-US" smtClean="0"/>
               <a:pPr/>
-              <a:t>2/7/2015</a:t>
+              <a:t>3/22/2015</a:t>
             </a:fld>
             <a:endParaRPr lang="en-US"/>
           </a:p>
@@ -4311,6 +4311,11 @@
           <a:prstGeom prst="line">
             <a:avLst/>
           </a:prstGeom>
+          <a:ln>
+            <a:solidFill>
+              <a:srgbClr val="FF9900"/>
+            </a:solidFill>
+          </a:ln>
         </p:spPr>
         <p:style>
           <a:lnRef idx="1">
@@ -4429,6 +4434,76 @@
           </a:p>
         </p:txBody>
       </p:sp>
+      <p:cxnSp>
+        <p:nvCxnSpPr>
+          <p:cNvPr id="105" name="Straight Connector 104"/>
+          <p:cNvCxnSpPr/>
+          <p:nvPr/>
+        </p:nvCxnSpPr>
+        <p:spPr>
+          <a:xfrm>
+            <a:off x="4267200" y="1981200"/>
+            <a:ext cx="381000" cy="0"/>
+          </a:xfrm>
+          <a:prstGeom prst="line">
+            <a:avLst/>
+          </a:prstGeom>
+          <a:ln>
+            <a:solidFill>
+              <a:srgbClr val="FF0000"/>
+            </a:solidFill>
+          </a:ln>
+        </p:spPr>
+        <p:style>
+          <a:lnRef idx="1">
+            <a:schemeClr val="accent1"/>
+          </a:lnRef>
+          <a:fillRef idx="0">
+            <a:schemeClr val="accent1"/>
+          </a:fillRef>
+          <a:effectRef idx="0">
+            <a:schemeClr val="accent1"/>
+          </a:effectRef>
+          <a:fontRef idx="minor">
+            <a:schemeClr val="tx1"/>
+          </a:fontRef>
+        </p:style>
+      </p:cxnSp>
+      <p:cxnSp>
+        <p:nvCxnSpPr>
+          <p:cNvPr id="112" name="Straight Connector 111"/>
+          <p:cNvCxnSpPr/>
+          <p:nvPr/>
+        </p:nvCxnSpPr>
+        <p:spPr>
+          <a:xfrm>
+            <a:off x="4267200" y="2133600"/>
+            <a:ext cx="381000" cy="0"/>
+          </a:xfrm>
+          <a:prstGeom prst="line">
+            <a:avLst/>
+          </a:prstGeom>
+          <a:ln>
+            <a:solidFill>
+              <a:schemeClr val="tx1"/>
+            </a:solidFill>
+          </a:ln>
+        </p:spPr>
+        <p:style>
+          <a:lnRef idx="1">
+            <a:schemeClr val="accent1"/>
+          </a:lnRef>
+          <a:fillRef idx="0">
+            <a:schemeClr val="accent1"/>
+          </a:fillRef>
+          <a:effectRef idx="0">
+            <a:schemeClr val="accent1"/>
+          </a:effectRef>
+          <a:fontRef idx="minor">
+            <a:schemeClr val="tx1"/>
+          </a:fontRef>
+        </p:style>
+      </p:cxnSp>
     </p:spTree>
   </p:cSld>
   <p:clrMapOvr>

--- a/guide/Moving_Rainbow_Lab_Guide.pptx
+++ b/guide/Moving_Rainbow_Lab_Guide.pptx
@@ -118,6 +118,22 @@
       </a:defRPr>
     </a:lvl9pPr>
   </p:defaultTextStyle>
+  <p:extLst>
+    <p:ext uri="{EFAFB233-063F-42B5-8137-9DF3F51BA10A}">
+      <p15:sldGuideLst xmlns:p15="http://schemas.microsoft.com/office/powerpoint/2012/main">
+        <p15:guide id="1" orient="horz" pos="2880">
+          <p15:clr>
+            <a:srgbClr val="A4A3A4"/>
+          </p15:clr>
+        </p15:guide>
+        <p15:guide id="2" pos="2160">
+          <p15:clr>
+            <a:srgbClr val="A4A3A4"/>
+          </p15:clr>
+        </p15:guide>
+      </p15:sldGuideLst>
+    </p:ext>
+  </p:extLst>
 </p:presentation>
 </file>
 
@@ -204,7 +220,7 @@
             <a:fld id="{A192AC86-29BE-4AF1-B66A-0B9C0F1A9582}" type="datetimeFigureOut">
               <a:rPr lang="en-US" smtClean="0"/>
               <a:pPr/>
-              <a:t>3/22/2015</a:t>
+              <a:t>12/2/17</a:t>
             </a:fld>
             <a:endParaRPr lang="en-US"/>
           </a:p>
@@ -505,7 +521,7 @@
             <a:fld id="{7322D2E7-16C3-422E-8B39-EECC16E2F456}" type="datetime1">
               <a:rPr lang="en-US" smtClean="0"/>
               <a:pPr/>
-              <a:t>3/22/2015</a:t>
+              <a:t>12/2/17</a:t>
             </a:fld>
             <a:endParaRPr lang="en-US"/>
           </a:p>
@@ -597,7 +613,7 @@
             <a:fld id="{0DA314EC-10AC-4982-9D7E-980BE61E201F}" type="datetime1">
               <a:rPr lang="en-US" smtClean="0"/>
               <a:pPr/>
-              <a:t>3/22/2015</a:t>
+              <a:t>12/2/17</a:t>
             </a:fld>
             <a:endParaRPr lang="en-US"/>
           </a:p>
@@ -825,7 +841,7 @@
             <a:fld id="{9687B87C-E9C8-4DB6-8BF6-BB75676BE4F6}" type="datetime1">
               <a:rPr lang="en-US" smtClean="0"/>
               <a:pPr/>
-              <a:t>3/22/2015</a:t>
+              <a:t>12/2/17</a:t>
             </a:fld>
             <a:endParaRPr lang="en-US"/>
           </a:p>
@@ -6767,13 +6783,19 @@
               <a:rPr lang="en-US" sz="1200" b="1" dirty="0" smtClean="0">
                 <a:latin typeface="Arial Narrow" pitchFamily="34" charset="0"/>
               </a:rPr>
-              <a:t>10</a:t>
-            </a:r>
-            <a:r>
-              <a:rPr lang="en-US" sz="1200" dirty="0" smtClean="0">
-                <a:latin typeface="Arial Narrow" pitchFamily="34" charset="0"/>
-              </a:rPr>
-              <a:t> // connect the Data from the strip to this pin on the Arduino</a:t>
+              <a:t>12</a:t>
+            </a:r>
+            <a:r>
+              <a:rPr lang="en-US" sz="1200" dirty="0" smtClean="0">
+                <a:latin typeface="Arial Narrow" pitchFamily="34" charset="0"/>
+              </a:rPr>
+              <a:t> </a:t>
+            </a:r>
+            <a:r>
+              <a:rPr lang="en-US" sz="1200" dirty="0" smtClean="0">
+                <a:latin typeface="Arial Narrow" pitchFamily="34" charset="0"/>
+              </a:rPr>
+              <a:t>// connect the Data from the strip to this pin on the Arduino</a:t>
             </a:r>
           </a:p>
           <a:p>
@@ -6787,7 +6809,7 @@
               <a:rPr lang="en-US" sz="1200" b="1" dirty="0" smtClean="0">
                 <a:latin typeface="Arial Narrow" pitchFamily="34" charset="0"/>
               </a:rPr>
-              <a:t>12</a:t>
+              <a:t>30</a:t>
             </a:r>
             <a:r>
               <a:rPr lang="en-US" sz="1200" dirty="0" smtClean="0">
@@ -7014,7 +7036,7 @@
               <a:rPr lang="en-US" sz="1200" dirty="0" smtClean="0">
                 <a:latin typeface="Arial Narrow" pitchFamily="34" charset="0"/>
               </a:rPr>
-              <a:t>Most of our kits have 12 pixels, so you can keep this the same</a:t>
+              <a:t>Most of our kits have 30 pixels, so you can keep this the same</a:t>
             </a:r>
           </a:p>
         </p:txBody>
@@ -7522,7 +7544,7 @@
               <a:rPr lang="en-US" sz="1200" dirty="0" smtClean="0">
                 <a:latin typeface="Arial Narrow" pitchFamily="34" charset="0"/>
               </a:rPr>
-              <a:t>#define NUMBER_PIEXELS 12 // the number of pixels in your LED strip</a:t>
+              <a:t>#define NUMBER_PIEXELS 30 // the number of pixels in your LED strip</a:t>
             </a:r>
           </a:p>
           <a:p>
